--- a/project/Analysis of the cycles distribution in connected networks.pptx
+++ b/project/Analysis of the cycles distribution in connected networks.pptx
@@ -289,7 +289,7 @@
           <a:p>
             <a:fld id="{3A3C51ED-4DBF-4B7B-A04D-E5FF29612F01}" type="datetimeFigureOut">
               <a:rPr lang="ru-RU" smtClean="0"/>
-              <a:t>24.03.2022</a:t>
+              <a:t>23.05.2022</a:t>
             </a:fld>
             <a:endParaRPr lang="ru-RU"/>
           </a:p>
@@ -487,7 +487,7 @@
           <a:p>
             <a:fld id="{3A3C51ED-4DBF-4B7B-A04D-E5FF29612F01}" type="datetimeFigureOut">
               <a:rPr lang="ru-RU" smtClean="0"/>
-              <a:t>24.03.2022</a:t>
+              <a:t>23.05.2022</a:t>
             </a:fld>
             <a:endParaRPr lang="ru-RU"/>
           </a:p>
@@ -695,7 +695,7 @@
           <a:p>
             <a:fld id="{3A3C51ED-4DBF-4B7B-A04D-E5FF29612F01}" type="datetimeFigureOut">
               <a:rPr lang="ru-RU" smtClean="0"/>
-              <a:t>24.03.2022</a:t>
+              <a:t>23.05.2022</a:t>
             </a:fld>
             <a:endParaRPr lang="ru-RU"/>
           </a:p>
@@ -893,7 +893,7 @@
           <a:p>
             <a:fld id="{3A3C51ED-4DBF-4B7B-A04D-E5FF29612F01}" type="datetimeFigureOut">
               <a:rPr lang="ru-RU" smtClean="0"/>
-              <a:t>24.03.2022</a:t>
+              <a:t>23.05.2022</a:t>
             </a:fld>
             <a:endParaRPr lang="ru-RU"/>
           </a:p>
@@ -1168,7 +1168,7 @@
           <a:p>
             <a:fld id="{3A3C51ED-4DBF-4B7B-A04D-E5FF29612F01}" type="datetimeFigureOut">
               <a:rPr lang="ru-RU" smtClean="0"/>
-              <a:t>24.03.2022</a:t>
+              <a:t>23.05.2022</a:t>
             </a:fld>
             <a:endParaRPr lang="ru-RU"/>
           </a:p>
@@ -1433,7 +1433,7 @@
           <a:p>
             <a:fld id="{3A3C51ED-4DBF-4B7B-A04D-E5FF29612F01}" type="datetimeFigureOut">
               <a:rPr lang="ru-RU" smtClean="0"/>
-              <a:t>24.03.2022</a:t>
+              <a:t>23.05.2022</a:t>
             </a:fld>
             <a:endParaRPr lang="ru-RU"/>
           </a:p>
@@ -1845,7 +1845,7 @@
           <a:p>
             <a:fld id="{3A3C51ED-4DBF-4B7B-A04D-E5FF29612F01}" type="datetimeFigureOut">
               <a:rPr lang="ru-RU" smtClean="0"/>
-              <a:t>24.03.2022</a:t>
+              <a:t>23.05.2022</a:t>
             </a:fld>
             <a:endParaRPr lang="ru-RU"/>
           </a:p>
@@ -1986,7 +1986,7 @@
           <a:p>
             <a:fld id="{3A3C51ED-4DBF-4B7B-A04D-E5FF29612F01}" type="datetimeFigureOut">
               <a:rPr lang="ru-RU" smtClean="0"/>
-              <a:t>24.03.2022</a:t>
+              <a:t>23.05.2022</a:t>
             </a:fld>
             <a:endParaRPr lang="ru-RU"/>
           </a:p>
@@ -2099,7 +2099,7 @@
           <a:p>
             <a:fld id="{3A3C51ED-4DBF-4B7B-A04D-E5FF29612F01}" type="datetimeFigureOut">
               <a:rPr lang="ru-RU" smtClean="0"/>
-              <a:t>24.03.2022</a:t>
+              <a:t>23.05.2022</a:t>
             </a:fld>
             <a:endParaRPr lang="ru-RU"/>
           </a:p>
@@ -2410,7 +2410,7 @@
           <a:p>
             <a:fld id="{3A3C51ED-4DBF-4B7B-A04D-E5FF29612F01}" type="datetimeFigureOut">
               <a:rPr lang="ru-RU" smtClean="0"/>
-              <a:t>24.03.2022</a:t>
+              <a:t>23.05.2022</a:t>
             </a:fld>
             <a:endParaRPr lang="ru-RU"/>
           </a:p>
@@ -2698,7 +2698,7 @@
           <a:p>
             <a:fld id="{3A3C51ED-4DBF-4B7B-A04D-E5FF29612F01}" type="datetimeFigureOut">
               <a:rPr lang="ru-RU" smtClean="0"/>
-              <a:t>24.03.2022</a:t>
+              <a:t>23.05.2022</a:t>
             </a:fld>
             <a:endParaRPr lang="ru-RU"/>
           </a:p>
@@ -2939,7 +2939,7 @@
           <a:p>
             <a:fld id="{3A3C51ED-4DBF-4B7B-A04D-E5FF29612F01}" type="datetimeFigureOut">
               <a:rPr lang="ru-RU" smtClean="0"/>
-              <a:t>24.03.2022</a:t>
+              <a:t>23.05.2022</a:t>
             </a:fld>
             <a:endParaRPr lang="ru-RU"/>
           </a:p>
@@ -3482,8 +3482,8 @@
           </a:p>
         </p:txBody>
       </p:sp>
-      <mc:AlternateContent xmlns:mc="http://schemas.openxmlformats.org/markup-compatibility/2006">
-        <mc:Choice xmlns:a14="http://schemas.microsoft.com/office/drawing/2010/main" Requires="a14">
+      <mc:AlternateContent xmlns:mc="http://schemas.openxmlformats.org/markup-compatibility/2006" xmlns:a14="http://schemas.microsoft.com/office/drawing/2010/main">
+        <mc:Choice Requires="a14">
           <p:sp>
             <p:nvSpPr>
               <p:cNvPr id="3" name="Объект 2">
@@ -3992,7 +3992,7 @@
             </p:txBody>
           </p:sp>
         </mc:Choice>
-        <mc:Fallback>
+        <mc:Fallback xmlns="">
           <p:sp>
             <p:nvSpPr>
               <p:cNvPr id="3" name="Объект 2">
@@ -4087,8 +4087,8 @@
           </a:p>
         </p:txBody>
       </p:sp>
-      <mc:AlternateContent xmlns:mc="http://schemas.openxmlformats.org/markup-compatibility/2006">
-        <mc:Choice xmlns:a14="http://schemas.microsoft.com/office/drawing/2010/main" Requires="a14">
+      <mc:AlternateContent xmlns:mc="http://schemas.openxmlformats.org/markup-compatibility/2006" xmlns:a14="http://schemas.microsoft.com/office/drawing/2010/main">
+        <mc:Choice Requires="a14">
           <p:sp>
             <p:nvSpPr>
               <p:cNvPr id="3" name="Объект 2">
@@ -4547,7 +4547,7 @@
             </p:txBody>
           </p:sp>
         </mc:Choice>
-        <mc:Fallback>
+        <mc:Fallback xmlns="">
           <p:sp>
             <p:nvSpPr>
               <p:cNvPr id="3" name="Объект 2">
@@ -4617,56 +4617,6 @@
           <a:chExt cx="0" cy="0"/>
         </a:xfrm>
       </p:grpSpPr>
-      <p:sp>
-        <p:nvSpPr>
-          <p:cNvPr id="2" name="Заголовок 1">
-            <a:extLst>
-              <a:ext uri="{FF2B5EF4-FFF2-40B4-BE49-F238E27FC236}">
-                <a16:creationId xmlns:a16="http://schemas.microsoft.com/office/drawing/2014/main" id="{F10A86A4-80E7-44CD-B443-C5316BF9EFB6}"/>
-              </a:ext>
-            </a:extLst>
-          </p:cNvPr>
-          <p:cNvSpPr>
-            <a:spLocks noGrp="1"/>
-          </p:cNvSpPr>
-          <p:nvPr>
-            <p:ph type="title"/>
-          </p:nvPr>
-        </p:nvSpPr>
-        <p:spPr/>
-        <p:txBody>
-          <a:bodyPr/>
-          <a:lstStyle/>
-          <a:p>
-            <a:endParaRPr lang="ru-RU"/>
-          </a:p>
-        </p:txBody>
-      </p:sp>
-      <p:sp>
-        <p:nvSpPr>
-          <p:cNvPr id="3" name="Объект 2">
-            <a:extLst>
-              <a:ext uri="{FF2B5EF4-FFF2-40B4-BE49-F238E27FC236}">
-                <a16:creationId xmlns:a16="http://schemas.microsoft.com/office/drawing/2014/main" id="{73E2E08E-4F58-469D-9B88-B49E445C9EE3}"/>
-              </a:ext>
-            </a:extLst>
-          </p:cNvPr>
-          <p:cNvSpPr>
-            <a:spLocks noGrp="1"/>
-          </p:cNvSpPr>
-          <p:nvPr>
-            <p:ph idx="1"/>
-          </p:nvPr>
-        </p:nvSpPr>
-        <p:spPr/>
-        <p:txBody>
-          <a:bodyPr/>
-          <a:lstStyle/>
-          <a:p>
-            <a:endParaRPr lang="ru-RU"/>
-          </a:p>
-        </p:txBody>
-      </p:sp>
       <p:pic>
         <p:nvPicPr>
           <p:cNvPr id="1026" name="Picture 2">
@@ -4744,56 +4694,6 @@
           <a:chExt cx="0" cy="0"/>
         </a:xfrm>
       </p:grpSpPr>
-      <p:sp>
-        <p:nvSpPr>
-          <p:cNvPr id="2" name="Заголовок 1">
-            <a:extLst>
-              <a:ext uri="{FF2B5EF4-FFF2-40B4-BE49-F238E27FC236}">
-                <a16:creationId xmlns:a16="http://schemas.microsoft.com/office/drawing/2014/main" id="{19116A2C-1D60-42A1-8625-A6DDA698B452}"/>
-              </a:ext>
-            </a:extLst>
-          </p:cNvPr>
-          <p:cNvSpPr>
-            <a:spLocks noGrp="1"/>
-          </p:cNvSpPr>
-          <p:nvPr>
-            <p:ph type="title"/>
-          </p:nvPr>
-        </p:nvSpPr>
-        <p:spPr/>
-        <p:txBody>
-          <a:bodyPr/>
-          <a:lstStyle/>
-          <a:p>
-            <a:endParaRPr lang="ru-RU"/>
-          </a:p>
-        </p:txBody>
-      </p:sp>
-      <p:sp>
-        <p:nvSpPr>
-          <p:cNvPr id="3" name="Объект 2">
-            <a:extLst>
-              <a:ext uri="{FF2B5EF4-FFF2-40B4-BE49-F238E27FC236}">
-                <a16:creationId xmlns:a16="http://schemas.microsoft.com/office/drawing/2014/main" id="{DED5D29B-2DD5-41A9-A938-B63415DEF3FF}"/>
-              </a:ext>
-            </a:extLst>
-          </p:cNvPr>
-          <p:cNvSpPr>
-            <a:spLocks noGrp="1"/>
-          </p:cNvSpPr>
-          <p:nvPr>
-            <p:ph idx="1"/>
-          </p:nvPr>
-        </p:nvSpPr>
-        <p:spPr/>
-        <p:txBody>
-          <a:bodyPr/>
-          <a:lstStyle/>
-          <a:p>
-            <a:endParaRPr lang="ru-RU"/>
-          </a:p>
-        </p:txBody>
-      </p:sp>
       <p:pic>
         <p:nvPicPr>
           <p:cNvPr id="2050" name="Picture 2">
@@ -4823,7 +4723,7 @@
         </p:blipFill>
         <p:spPr bwMode="auto">
           <a:xfrm>
-            <a:off x="838200" y="528145"/>
+            <a:off x="801688" y="633653"/>
             <a:ext cx="10515600" cy="5801710"/>
           </a:xfrm>
           <a:prstGeom prst="rect">
@@ -9319,8 +9219,8 @@
           </a:p>
         </p:txBody>
       </p:sp>
-      <mc:AlternateContent xmlns:mc="http://schemas.openxmlformats.org/markup-compatibility/2006">
-        <mc:Choice xmlns:a14="http://schemas.microsoft.com/office/drawing/2010/main" Requires="a14">
+      <mc:AlternateContent xmlns:mc="http://schemas.openxmlformats.org/markup-compatibility/2006" xmlns:a14="http://schemas.microsoft.com/office/drawing/2010/main">
+        <mc:Choice Requires="a14">
           <p:sp>
             <p:nvSpPr>
               <p:cNvPr id="33" name="TextBox 32">
@@ -9349,6 +9249,7 @@
               </a:bodyPr>
               <a:lstStyle/>
               <a:p>
+                <a:pPr/>
                 <a14:m>
                   <m:oMathPara xmlns:m="http://schemas.openxmlformats.org/officeDocument/2006/math">
                     <m:oMathParaPr>
@@ -9586,7 +9487,7 @@
             </p:txBody>
           </p:sp>
         </mc:Choice>
-        <mc:Fallback>
+        <mc:Fallback xmlns="">
           <p:sp>
             <p:nvSpPr>
               <p:cNvPr id="33" name="TextBox 32">
@@ -9690,31 +9591,6 @@
           </a:p>
         </p:txBody>
       </p:sp>
-      <p:sp>
-        <p:nvSpPr>
-          <p:cNvPr id="3" name="Объект 2">
-            <a:extLst>
-              <a:ext uri="{FF2B5EF4-FFF2-40B4-BE49-F238E27FC236}">
-                <a16:creationId xmlns:a16="http://schemas.microsoft.com/office/drawing/2014/main" id="{934E0EE4-DF9C-490F-B4CD-6F9888D75D4C}"/>
-              </a:ext>
-            </a:extLst>
-          </p:cNvPr>
-          <p:cNvSpPr>
-            <a:spLocks noGrp="1"/>
-          </p:cNvSpPr>
-          <p:nvPr>
-            <p:ph idx="1"/>
-          </p:nvPr>
-        </p:nvSpPr>
-        <p:spPr/>
-        <p:txBody>
-          <a:bodyPr/>
-          <a:lstStyle/>
-          <a:p>
-            <a:endParaRPr lang="ru-RU"/>
-          </a:p>
-        </p:txBody>
-      </p:sp>
       <p:pic>
         <p:nvPicPr>
           <p:cNvPr id="3074" name="Picture 2">
@@ -9744,7 +9620,7 @@
         </p:blipFill>
         <p:spPr bwMode="auto">
           <a:xfrm>
-            <a:off x="838200" y="1436260"/>
+            <a:off x="766561" y="1532975"/>
             <a:ext cx="10585853" cy="5130067"/>
           </a:xfrm>
           <a:prstGeom prst="rect">
@@ -10545,8 +10421,8 @@
           </a:p>
         </p:txBody>
       </p:sp>
-      <mc:AlternateContent xmlns:mc="http://schemas.openxmlformats.org/markup-compatibility/2006">
-        <mc:Choice xmlns:a14="http://schemas.microsoft.com/office/drawing/2010/main" Requires="a14">
+      <mc:AlternateContent xmlns:mc="http://schemas.openxmlformats.org/markup-compatibility/2006" xmlns:a14="http://schemas.microsoft.com/office/drawing/2010/main">
+        <mc:Choice Requires="a14">
           <p:sp>
             <p:nvSpPr>
               <p:cNvPr id="3" name="Объект 2">
@@ -10737,7 +10613,7 @@
             </p:txBody>
           </p:sp>
         </mc:Choice>
-        <mc:Fallback>
+        <mc:Fallback xmlns="">
           <p:sp>
             <p:nvSpPr>
               <p:cNvPr id="3" name="Объект 2">
@@ -11342,8 +11218,8 @@
           </a:p>
         </p:txBody>
       </p:sp>
-      <mc:AlternateContent xmlns:mc="http://schemas.openxmlformats.org/markup-compatibility/2006">
-        <mc:Choice xmlns:a14="http://schemas.microsoft.com/office/drawing/2010/main" Requires="a14">
+      <mc:AlternateContent xmlns:mc="http://schemas.openxmlformats.org/markup-compatibility/2006" xmlns:a14="http://schemas.microsoft.com/office/drawing/2010/main">
+        <mc:Choice Requires="a14">
           <p:sp>
             <p:nvSpPr>
               <p:cNvPr id="15" name="TextBox 14">
@@ -11409,7 +11285,7 @@
             </p:txBody>
           </p:sp>
         </mc:Choice>
-        <mc:Fallback>
+        <mc:Fallback xmlns="">
           <p:sp>
             <p:nvSpPr>
               <p:cNvPr id="15" name="TextBox 14">
@@ -12019,8 +11895,8 @@
           </a:p>
         </p:txBody>
       </p:sp>
-      <mc:AlternateContent xmlns:mc="http://schemas.openxmlformats.org/markup-compatibility/2006">
-        <mc:Choice xmlns:a14="http://schemas.microsoft.com/office/drawing/2010/main" Requires="a14">
+      <mc:AlternateContent xmlns:mc="http://schemas.openxmlformats.org/markup-compatibility/2006" xmlns:a14="http://schemas.microsoft.com/office/drawing/2010/main">
+        <mc:Choice Requires="a14">
           <p:sp>
             <p:nvSpPr>
               <p:cNvPr id="15" name="TextBox 14">
@@ -12072,7 +11948,7 @@
             </p:txBody>
           </p:sp>
         </mc:Choice>
-        <mc:Fallback>
+        <mc:Fallback xmlns="">
           <p:sp>
             <p:nvSpPr>
               <p:cNvPr id="15" name="TextBox 14">
@@ -12897,8 +12773,8 @@
           </a:p>
         </p:txBody>
       </p:sp>
-      <mc:AlternateContent xmlns:mc="http://schemas.openxmlformats.org/markup-compatibility/2006">
-        <mc:Choice xmlns:a14="http://schemas.microsoft.com/office/drawing/2010/main" Requires="a14">
+      <mc:AlternateContent xmlns:mc="http://schemas.openxmlformats.org/markup-compatibility/2006" xmlns:a14="http://schemas.microsoft.com/office/drawing/2010/main">
+        <mc:Choice Requires="a14">
           <p:sp>
             <p:nvSpPr>
               <p:cNvPr id="3" name="Объект 2">
@@ -13338,7 +13214,7 @@
             </p:txBody>
           </p:sp>
         </mc:Choice>
-        <mc:Fallback>
+        <mc:Fallback xmlns="">
           <p:sp>
             <p:nvSpPr>
               <p:cNvPr id="3" name="Объект 2">
